--- a/PRESENTATIONS/2021-10-online-f2f/2021-10-14-WoT-OpenDay-McCool.pptx
+++ b/PRESENTATIONS/2021-10-online-f2f/2021-10-14-WoT-OpenDay-McCool.pptx
@@ -5171,7 +5171,12 @@
               <a:rPr lang="de-DE" dirty="0"/>
               <a:t>: 20m</a:t>
             </a:r>
-            <a:endParaRPr lang="en-CA" b="1" dirty="0"/>
+          </a:p>
+          <a:p>
+            <a:r>
+              <a:rPr lang="en-CA" b="1" dirty="0"/>
+              <a:t>2h07m - Break (10m)</a:t>
+            </a:r>
           </a:p>
           <a:p>
             <a:r>
@@ -5202,13 +5207,7 @@
           <a:p>
             <a:r>
               <a:rPr lang="en-CA" b="1" dirty="0"/>
-              <a:t>2h00m - Break (5m)</a:t>
-            </a:r>
-          </a:p>
-          <a:p>
-            <a:r>
-              <a:rPr lang="en-CA" b="1" dirty="0"/>
-              <a:t>2h05m – </a:t>
+              <a:t>2h00m – </a:t>
             </a:r>
             <a:r>
               <a:rPr lang="en-CA" b="1" dirty="0">
@@ -5218,7 +5217,7 @@
             </a:r>
             <a:r>
               <a:rPr lang="en-CA" b="1" dirty="0"/>
-              <a:t> (50m) – Sebastian/</a:t>
+              <a:t> (55m) – Sebastian/</a:t>
             </a:r>
             <a:r>
               <a:rPr lang="en-CA" b="1" dirty="0" err="1"/>
@@ -5242,7 +5241,7 @@
             </a:r>
             <a:r>
               <a:rPr lang="de-DE" dirty="0"/>
-              <a:t>: 20min</a:t>
+              <a:t>: 25min</a:t>
             </a:r>
             <a:endParaRPr lang="en-CA" dirty="0"/>
           </a:p>
@@ -5366,7 +5365,7 @@
         <p:spPr>
           <a:xfrm>
             <a:off x="7682774" y="2242700"/>
-            <a:ext cx="1420582" cy="523220"/>
+            <a:ext cx="2563972" cy="523220"/>
           </a:xfrm>
           <a:prstGeom prst="rect">
             <a:avLst/>
@@ -5385,8 +5384,29 @@
                   <a:srgbClr val="C00000"/>
                 </a:solidFill>
               </a:rPr>
-              <a:t>Scribe: ?</a:t>
-            </a:r>
+              <a:t>Scribe: </a:t>
+            </a:r>
+            <a:r>
+              <a:rPr lang="en-US" sz="2800" dirty="0" err="1">
+                <a:solidFill>
+                  <a:srgbClr val="C00000"/>
+                </a:solidFill>
+              </a:rPr>
+              <a:t>Kaz</a:t>
+            </a:r>
+            <a:r>
+              <a:rPr lang="en-US" sz="2800">
+                <a:solidFill>
+                  <a:srgbClr val="C00000"/>
+                </a:solidFill>
+              </a:rPr>
+              <a:t>/Fady</a:t>
+            </a:r>
+            <a:endParaRPr lang="en-US" sz="2800" dirty="0">
+              <a:solidFill>
+                <a:srgbClr val="C00000"/>
+              </a:solidFill>
+            </a:endParaRPr>
           </a:p>
         </p:txBody>
       </p:sp>
